--- a/_Experiments/_Surgery/_templates/R-LM1-EMG layout.pptx
+++ b/_Experiments/_Surgery/_templates/R-LM1-EMG layout.pptx
@@ -107,6 +107,22 @@
       </a:defRPr>
     </a:lvl9pPr>
   </p:defaultTextStyle>
+  <p:extLst>
+    <p:ext uri="{EFAFB233-063F-42B5-8137-9DF3F51BA10A}">
+      <p15:sldGuideLst xmlns:p15="http://schemas.microsoft.com/office/powerpoint/2012/main">
+        <p15:guide id="1" orient="horz" pos="2160">
+          <p15:clr>
+            <a:srgbClr val="A4A3A4"/>
+          </p15:clr>
+        </p15:guide>
+        <p15:guide id="2" pos="2880">
+          <p15:clr>
+            <a:srgbClr val="A4A3A4"/>
+          </p15:clr>
+        </p15:guide>
+      </p15:sldGuideLst>
+    </p:ext>
+  </p:extLst>
 </p:presentation>
 </file>
 
@@ -192,7 +208,7 @@
           <a:p>
             <a:fld id="{46F8F2C1-8A14-4773-BC69-077AA6BEF8AA}" type="datetimeFigureOut">
               <a:rPr lang="en-US" smtClean="0"/>
-              <a:t>8/4/2017</a:t>
+              <a:t>11/11/17</a:t>
             </a:fld>
             <a:endParaRPr lang="en-US"/>
           </a:p>
@@ -725,7 +741,7 @@
           <a:p>
             <a:fld id="{A4E24B33-863B-4BDB-B3BB-1315F1051867}" type="datetimeFigureOut">
               <a:rPr lang="en-US" smtClean="0"/>
-              <a:t>8/4/2017</a:t>
+              <a:t>11/11/17</a:t>
             </a:fld>
             <a:endParaRPr lang="en-US"/>
           </a:p>
@@ -895,7 +911,7 @@
           <a:p>
             <a:fld id="{A4E24B33-863B-4BDB-B3BB-1315F1051867}" type="datetimeFigureOut">
               <a:rPr lang="en-US" smtClean="0"/>
-              <a:t>8/4/2017</a:t>
+              <a:t>11/11/17</a:t>
             </a:fld>
             <a:endParaRPr lang="en-US"/>
           </a:p>
@@ -1075,7 +1091,7 @@
           <a:p>
             <a:fld id="{A4E24B33-863B-4BDB-B3BB-1315F1051867}" type="datetimeFigureOut">
               <a:rPr lang="en-US" smtClean="0"/>
-              <a:t>8/4/2017</a:t>
+              <a:t>11/11/17</a:t>
             </a:fld>
             <a:endParaRPr lang="en-US"/>
           </a:p>
@@ -1245,7 +1261,7 @@
           <a:p>
             <a:fld id="{A4E24B33-863B-4BDB-B3BB-1315F1051867}" type="datetimeFigureOut">
               <a:rPr lang="en-US" smtClean="0"/>
-              <a:t>8/4/2017</a:t>
+              <a:t>11/11/17</a:t>
             </a:fld>
             <a:endParaRPr lang="en-US"/>
           </a:p>
@@ -1491,7 +1507,7 @@
           <a:p>
             <a:fld id="{A4E24B33-863B-4BDB-B3BB-1315F1051867}" type="datetimeFigureOut">
               <a:rPr lang="en-US" smtClean="0"/>
-              <a:t>8/4/2017</a:t>
+              <a:t>11/11/17</a:t>
             </a:fld>
             <a:endParaRPr lang="en-US"/>
           </a:p>
@@ -1779,7 +1795,7 @@
           <a:p>
             <a:fld id="{A4E24B33-863B-4BDB-B3BB-1315F1051867}" type="datetimeFigureOut">
               <a:rPr lang="en-US" smtClean="0"/>
-              <a:t>8/4/2017</a:t>
+              <a:t>11/11/17</a:t>
             </a:fld>
             <a:endParaRPr lang="en-US"/>
           </a:p>
@@ -2201,7 +2217,7 @@
           <a:p>
             <a:fld id="{A4E24B33-863B-4BDB-B3BB-1315F1051867}" type="datetimeFigureOut">
               <a:rPr lang="en-US" smtClean="0"/>
-              <a:t>8/4/2017</a:t>
+              <a:t>11/11/17</a:t>
             </a:fld>
             <a:endParaRPr lang="en-US"/>
           </a:p>
@@ -2319,7 +2335,7 @@
           <a:p>
             <a:fld id="{A4E24B33-863B-4BDB-B3BB-1315F1051867}" type="datetimeFigureOut">
               <a:rPr lang="en-US" smtClean="0"/>
-              <a:t>8/4/2017</a:t>
+              <a:t>11/11/17</a:t>
             </a:fld>
             <a:endParaRPr lang="en-US"/>
           </a:p>
@@ -2414,7 +2430,7 @@
           <a:p>
             <a:fld id="{A4E24B33-863B-4BDB-B3BB-1315F1051867}" type="datetimeFigureOut">
               <a:rPr lang="en-US" smtClean="0"/>
-              <a:t>8/4/2017</a:t>
+              <a:t>11/11/17</a:t>
             </a:fld>
             <a:endParaRPr lang="en-US"/>
           </a:p>
@@ -2691,7 +2707,7 @@
           <a:p>
             <a:fld id="{A4E24B33-863B-4BDB-B3BB-1315F1051867}" type="datetimeFigureOut">
               <a:rPr lang="en-US" smtClean="0"/>
-              <a:t>8/4/2017</a:t>
+              <a:t>11/11/17</a:t>
             </a:fld>
             <a:endParaRPr lang="en-US"/>
           </a:p>
@@ -2944,7 +2960,7 @@
           <a:p>
             <a:fld id="{A4E24B33-863B-4BDB-B3BB-1315F1051867}" type="datetimeFigureOut">
               <a:rPr lang="en-US" smtClean="0"/>
-              <a:t>8/4/2017</a:t>
+              <a:t>11/11/17</a:t>
             </a:fld>
             <a:endParaRPr lang="en-US"/>
           </a:p>
@@ -3157,7 +3173,7 @@
           <a:p>
             <a:fld id="{A4E24B33-863B-4BDB-B3BB-1315F1051867}" type="datetimeFigureOut">
               <a:rPr lang="en-US" smtClean="0"/>
-              <a:t>8/4/2017</a:t>
+              <a:t>11/11/17</a:t>
             </a:fld>
             <a:endParaRPr lang="en-US"/>
           </a:p>
@@ -3746,7 +3762,7 @@
           <p:nvPr>
             <p:extLst>
               <p:ext uri="{D42A27DB-BD31-4B8C-83A1-F6EECF244321}">
-                <p14:modId xmlns:p14="http://schemas.microsoft.com/office/powerpoint/2010/main" val="2578037525"/>
+                <p14:modId xmlns:p14="http://schemas.microsoft.com/office/powerpoint/2010/main" val="1030164576"/>
               </p:ext>
             </p:extLst>
           </p:nvPr>
@@ -3932,13 +3948,13 @@
                     <a:p>
                       <a:pPr algn="ctr" fontAlgn="t"/>
                       <a:r>
-                        <a:rPr lang="en-US" sz="1200" u="none" strike="noStrike">
+                        <a:rPr lang="en-US" sz="1200" u="none" strike="noStrike" smtClean="0">
                           <a:effectLst/>
                           <a:latin typeface="Arial Black" panose="020B0A04020102020204" pitchFamily="34" charset="0"/>
                         </a:rPr>
-                        <a:t>Parietal</a:t>
+                        <a:t>R/L-M1</a:t>
                       </a:r>
-                      <a:endParaRPr lang="en-US" sz="1200" b="0" i="0" u="none" strike="noStrike">
+                      <a:endParaRPr lang="en-US" sz="1200" b="0" i="0" u="none" strike="noStrike" dirty="0">
                         <a:solidFill>
                           <a:srgbClr val="000000"/>
                         </a:solidFill>
@@ -4995,7 +5011,7 @@
                       <m:fPr>
                         <m:ctrlPr>
                           <a:rPr lang="en-US" sz="1100" i="1">
-                            <a:latin typeface="Cambria Math"/>
+                            <a:latin typeface="Cambria Math" charset="0"/>
                           </a:rPr>
                         </m:ctrlPr>
                       </m:fPr>
